--- a/장철화 앱 프로젝트.pptx
+++ b/장철화 앱 프로젝트.pptx
@@ -320,7 +320,7 @@
             <a:fld id="{1D8BD707-D9CF-40AE-B4C6-C98DA3205C09}" type="datetimeFigureOut">
               <a:rPr lang="en-US" smtClean="0"/>
               <a:pPr/>
-              <a:t>5/17/2025</a:t>
+              <a:t>5/18/2025</a:t>
             </a:fld>
             <a:endParaRPr lang="en-US"/>
           </a:p>
@@ -487,7 +487,7 @@
             <a:fld id="{1D8BD707-D9CF-40AE-B4C6-C98DA3205C09}" type="datetimeFigureOut">
               <a:rPr lang="en-US" smtClean="0"/>
               <a:pPr/>
-              <a:t>5/17/2025</a:t>
+              <a:t>5/18/2025</a:t>
             </a:fld>
             <a:endParaRPr lang="en-US"/>
           </a:p>
@@ -664,7 +664,7 @@
             <a:fld id="{1D8BD707-D9CF-40AE-B4C6-C98DA3205C09}" type="datetimeFigureOut">
               <a:rPr lang="en-US" smtClean="0"/>
               <a:pPr/>
-              <a:t>5/17/2025</a:t>
+              <a:t>5/18/2025</a:t>
             </a:fld>
             <a:endParaRPr lang="en-US"/>
           </a:p>
@@ -831,7 +831,7 @@
             <a:fld id="{1D8BD707-D9CF-40AE-B4C6-C98DA3205C09}" type="datetimeFigureOut">
               <a:rPr lang="en-US" smtClean="0"/>
               <a:pPr/>
-              <a:t>5/17/2025</a:t>
+              <a:t>5/18/2025</a:t>
             </a:fld>
             <a:endParaRPr lang="en-US"/>
           </a:p>
@@ -1074,7 +1074,7 @@
             <a:fld id="{1D8BD707-D9CF-40AE-B4C6-C98DA3205C09}" type="datetimeFigureOut">
               <a:rPr lang="en-US" smtClean="0"/>
               <a:pPr/>
-              <a:t>5/17/2025</a:t>
+              <a:t>5/18/2025</a:t>
             </a:fld>
             <a:endParaRPr lang="en-US"/>
           </a:p>
@@ -1359,7 +1359,7 @@
             <a:fld id="{1D8BD707-D9CF-40AE-B4C6-C98DA3205C09}" type="datetimeFigureOut">
               <a:rPr lang="en-US" smtClean="0"/>
               <a:pPr/>
-              <a:t>5/17/2025</a:t>
+              <a:t>5/18/2025</a:t>
             </a:fld>
             <a:endParaRPr lang="en-US"/>
           </a:p>
@@ -1778,7 +1778,7 @@
             <a:fld id="{1D8BD707-D9CF-40AE-B4C6-C98DA3205C09}" type="datetimeFigureOut">
               <a:rPr lang="en-US" smtClean="0"/>
               <a:pPr/>
-              <a:t>5/17/2025</a:t>
+              <a:t>5/18/2025</a:t>
             </a:fld>
             <a:endParaRPr lang="en-US"/>
           </a:p>
@@ -1893,7 +1893,7 @@
             <a:fld id="{1D8BD707-D9CF-40AE-B4C6-C98DA3205C09}" type="datetimeFigureOut">
               <a:rPr lang="en-US" smtClean="0"/>
               <a:pPr/>
-              <a:t>5/17/2025</a:t>
+              <a:t>5/18/2025</a:t>
             </a:fld>
             <a:endParaRPr lang="en-US"/>
           </a:p>
@@ -1985,7 +1985,7 @@
             <a:fld id="{1D8BD707-D9CF-40AE-B4C6-C98DA3205C09}" type="datetimeFigureOut">
               <a:rPr lang="en-US" smtClean="0"/>
               <a:pPr/>
-              <a:t>5/17/2025</a:t>
+              <a:t>5/18/2025</a:t>
             </a:fld>
             <a:endParaRPr lang="en-US"/>
           </a:p>
@@ -2259,7 +2259,7 @@
             <a:fld id="{1D8BD707-D9CF-40AE-B4C6-C98DA3205C09}" type="datetimeFigureOut">
               <a:rPr lang="en-US" smtClean="0"/>
               <a:pPr/>
-              <a:t>5/17/2025</a:t>
+              <a:t>5/18/2025</a:t>
             </a:fld>
             <a:endParaRPr lang="en-US"/>
           </a:p>
@@ -2509,7 +2509,7 @@
             <a:fld id="{1D8BD707-D9CF-40AE-B4C6-C98DA3205C09}" type="datetimeFigureOut">
               <a:rPr lang="en-US" smtClean="0"/>
               <a:pPr/>
-              <a:t>5/17/2025</a:t>
+              <a:t>5/18/2025</a:t>
             </a:fld>
             <a:endParaRPr lang="en-US"/>
           </a:p>
@@ -2726,7 +2726,7 @@
             <a:fld id="{1D8BD707-D9CF-40AE-B4C6-C98DA3205C09}" type="datetimeFigureOut">
               <a:rPr lang="en-US" smtClean="0"/>
               <a:pPr/>
-              <a:t>5/17/2025</a:t>
+              <a:t>5/18/2025</a:t>
             </a:fld>
             <a:endParaRPr lang="en-US"/>
           </a:p>
@@ -3862,13 +3862,7 @@
               <a:rPr lang="ko-KR" altLang="en-US" sz="3000" dirty="0" smtClean="0">
                 <a:latin typeface="+mn-ea"/>
               </a:rPr>
-              <a:t>프로젝트 커뮤니케이션 </a:t>
-            </a:r>
-            <a:r>
-              <a:rPr lang="ko-KR" altLang="en-US" sz="3000" dirty="0" smtClean="0">
-                <a:latin typeface="+mn-ea"/>
-              </a:rPr>
-              <a:t>관리</a:t>
+              <a:t>프로젝트 커뮤니케이션 관리</a:t>
             </a:r>
             <a:endParaRPr lang="en-US" altLang="ko-KR" sz="3000" dirty="0" smtClean="0">
               <a:latin typeface="+mn-ea"/>
@@ -11280,13 +11274,7 @@
               <a:rPr lang="ko-KR" altLang="en-US" sz="3000" dirty="0" smtClean="0">
                 <a:latin typeface="+mn-ea"/>
               </a:rPr>
-              <a:t> </a:t>
-            </a:r>
-            <a:r>
-              <a:rPr lang="ko-KR" altLang="en-US" sz="3000" dirty="0" smtClean="0">
-                <a:latin typeface="+mn-ea"/>
-              </a:rPr>
-              <a:t>배달 </a:t>
+              <a:t> 배달 </a:t>
             </a:r>
             <a:r>
               <a:rPr lang="ko-KR" altLang="en-US" sz="3000" dirty="0" err="1" smtClean="0">
@@ -11897,13 +11885,7 @@
               <a:rPr lang="en-US" altLang="ko-KR" sz="3000" dirty="0" smtClean="0">
                 <a:latin typeface="+mn-ea"/>
               </a:rPr>
-              <a:t> </a:t>
-            </a:r>
-            <a:r>
-              <a:rPr lang="en-US" altLang="ko-KR" sz="3000" dirty="0" smtClean="0">
-                <a:latin typeface="+mn-ea"/>
-              </a:rPr>
-              <a:t>2. </a:t>
+              <a:t> 2. </a:t>
             </a:r>
             <a:r>
               <a:rPr lang="ko-KR" altLang="en-US" sz="3000" dirty="0" smtClean="0">
@@ -11925,13 +11907,7 @@
               <a:rPr lang="en-US" altLang="ko-KR" sz="3000" dirty="0" smtClean="0">
                 <a:latin typeface="+mn-ea"/>
               </a:rPr>
-              <a:t> </a:t>
-            </a:r>
-            <a:r>
-              <a:rPr lang="en-US" altLang="ko-KR" sz="3000" dirty="0" smtClean="0">
-                <a:latin typeface="+mn-ea"/>
-              </a:rPr>
-              <a:t>  </a:t>
+              <a:t>   </a:t>
             </a:r>
           </a:p>
           <a:p>
@@ -11956,13 +11932,7 @@
               <a:rPr lang="en-US" altLang="ko-KR" sz="3000" dirty="0" smtClean="0">
                 <a:latin typeface="+mn-ea"/>
               </a:rPr>
-              <a:t> </a:t>
-            </a:r>
-            <a:r>
-              <a:rPr lang="en-US" altLang="ko-KR" sz="3000" dirty="0" smtClean="0">
-                <a:latin typeface="+mn-ea"/>
-              </a:rPr>
-              <a:t>: </a:t>
+              <a:t> : </a:t>
             </a:r>
             <a:r>
               <a:rPr lang="en-US" altLang="ko-KR" sz="3200" dirty="0" smtClean="0"/>
